--- a/210916-test-ppt/210916-ppt1/1 2 3 独法さんクリップアート.pptx
+++ b/210916-test-ppt/210916-ppt1/1 2 3 独法さんクリップアート.pptx
@@ -5,13 +5,15 @@
     <p:sldMasterId id="2147483648" r:id="rId1"/>
   </p:sldMasterIdLst>
   <p:notesMasterIdLst>
-    <p:notesMasterId r:id="rId3"/>
+    <p:notesMasterId r:id="rId5"/>
   </p:notesMasterIdLst>
   <p:handoutMasterIdLst>
-    <p:handoutMasterId r:id="rId4"/>
+    <p:handoutMasterId r:id="rId6"/>
   </p:handoutMasterIdLst>
   <p:sldIdLst>
     <p:sldId id="711" r:id="rId2"/>
+    <p:sldId id="712" r:id="rId3"/>
+    <p:sldId id="713" r:id="rId4"/>
   </p:sldIdLst>
   <p:sldSz cx="12192000" cy="6858000"/>
   <p:notesSz cx="9144000" cy="6858000"/>
@@ -203,7 +205,7 @@
           <a:p>
             <a:fld id="{43004559-E693-417D-832F-282830CA0F2C}" type="datetimeFigureOut">
               <a:rPr kumimoji="1" lang="ja-JP" altLang="en-US" smtClean="0"/>
-              <a:t>2021/2/7</a:t>
+              <a:t>2021/9/16</a:t>
             </a:fld>
             <a:endParaRPr kumimoji="1" lang="ja-JP" altLang="en-US" dirty="0"/>
           </a:p>
@@ -373,7 +375,7 @@
           <a:p>
             <a:fld id="{2647D927-0592-4B54-A511-F775D23C7FAD}" type="datetimeFigureOut">
               <a:rPr kumimoji="1" lang="ja-JP" altLang="en-US" smtClean="0"/>
-              <a:t>2021/2/7</a:t>
+              <a:t>2021/9/16</a:t>
             </a:fld>
             <a:endParaRPr kumimoji="1" lang="ja-JP" altLang="en-US" dirty="0"/>
           </a:p>
@@ -806,7 +808,7 @@
           <a:p>
             <a:fld id="{FC76B12B-05AE-4C08-B2DB-0751F37B9E89}" type="datetime1">
               <a:rPr kumimoji="1" lang="ja-JP" altLang="en-US" smtClean="0"/>
-              <a:t>2021/2/7</a:t>
+              <a:t>2021/9/16</a:t>
             </a:fld>
             <a:endParaRPr kumimoji="1" lang="ja-JP" altLang="en-US" dirty="0"/>
           </a:p>
@@ -1006,7 +1008,7 @@
           <a:p>
             <a:fld id="{76EE422A-7189-49E7-8DCC-CAC2D968BFCD}" type="datetime1">
               <a:rPr kumimoji="1" lang="ja-JP" altLang="en-US" smtClean="0"/>
-              <a:t>2021/2/7</a:t>
+              <a:t>2021/9/16</a:t>
             </a:fld>
             <a:endParaRPr kumimoji="1" lang="ja-JP" altLang="en-US" dirty="0"/>
           </a:p>
@@ -1216,7 +1218,7 @@
           <a:p>
             <a:fld id="{4CDE5988-4DE2-4EFC-A8DB-17FD59362483}" type="datetime1">
               <a:rPr kumimoji="1" lang="ja-JP" altLang="en-US" smtClean="0"/>
-              <a:t>2021/2/7</a:t>
+              <a:t>2021/9/16</a:t>
             </a:fld>
             <a:endParaRPr kumimoji="1" lang="ja-JP" altLang="en-US" dirty="0"/>
           </a:p>
@@ -1416,7 +1418,7 @@
           <a:p>
             <a:fld id="{4433F5D8-019C-4B4E-B06F-664B0E73F44C}" type="datetime1">
               <a:rPr kumimoji="1" lang="ja-JP" altLang="en-US" smtClean="0"/>
-              <a:t>2021/2/7</a:t>
+              <a:t>2021/9/16</a:t>
             </a:fld>
             <a:endParaRPr kumimoji="1" lang="ja-JP" altLang="en-US" dirty="0"/>
           </a:p>
@@ -1661,7 +1663,7 @@
           <a:p>
             <a:fld id="{BE08DC06-71B5-4D82-9EC9-2CDCDFC7E949}" type="datetime1">
               <a:rPr kumimoji="1" lang="ja-JP" altLang="en-US" smtClean="0"/>
-              <a:t>2021/2/7</a:t>
+              <a:t>2021/9/16</a:t>
             </a:fld>
             <a:endParaRPr kumimoji="1" lang="ja-JP" altLang="en-US" dirty="0"/>
           </a:p>
@@ -1954,7 +1956,7 @@
           <a:p>
             <a:fld id="{DE955005-761B-4B23-9C6F-D86728326A39}" type="datetime1">
               <a:rPr kumimoji="1" lang="ja-JP" altLang="en-US" smtClean="0"/>
-              <a:t>2021/2/7</a:t>
+              <a:t>2021/9/16</a:t>
             </a:fld>
             <a:endParaRPr kumimoji="1" lang="ja-JP" altLang="en-US" dirty="0"/>
           </a:p>
@@ -2382,7 +2384,7 @@
           <a:p>
             <a:fld id="{85D497FD-40DA-48BD-8DD0-EB755C7D6238}" type="datetime1">
               <a:rPr kumimoji="1" lang="ja-JP" altLang="en-US" smtClean="0"/>
-              <a:t>2021/2/7</a:t>
+              <a:t>2021/9/16</a:t>
             </a:fld>
             <a:endParaRPr kumimoji="1" lang="ja-JP" altLang="en-US" dirty="0"/>
           </a:p>
@@ -2499,7 +2501,7 @@
           <a:p>
             <a:fld id="{F5101842-F394-43EE-B2A2-4C5CD8EF8ECB}" type="datetime1">
               <a:rPr kumimoji="1" lang="ja-JP" altLang="en-US" smtClean="0"/>
-              <a:t>2021/2/7</a:t>
+              <a:t>2021/9/16</a:t>
             </a:fld>
             <a:endParaRPr kumimoji="1" lang="ja-JP" altLang="en-US" dirty="0"/>
           </a:p>
@@ -2594,7 +2596,7 @@
           <a:p>
             <a:fld id="{39F0FA9D-8531-4AA2-9DAB-F3E4DE0A77C4}" type="datetime1">
               <a:rPr kumimoji="1" lang="ja-JP" altLang="en-US" smtClean="0"/>
-              <a:t>2021/2/7</a:t>
+              <a:t>2021/9/16</a:t>
             </a:fld>
             <a:endParaRPr kumimoji="1" lang="ja-JP" altLang="en-US" dirty="0"/>
           </a:p>
@@ -2901,7 +2903,7 @@
           <a:p>
             <a:fld id="{ACBB3051-103A-431A-A155-BC03D46EAC2E}" type="datetime1">
               <a:rPr kumimoji="1" lang="ja-JP" altLang="en-US" smtClean="0"/>
-              <a:t>2021/2/7</a:t>
+              <a:t>2021/9/16</a:t>
             </a:fld>
             <a:endParaRPr kumimoji="1" lang="ja-JP" altLang="en-US" dirty="0"/>
           </a:p>
@@ -3153,7 +3155,7 @@
           <a:p>
             <a:fld id="{8619FE48-DA9A-4525-A7A6-03B3BAB20900}" type="datetime1">
               <a:rPr kumimoji="1" lang="ja-JP" altLang="en-US" smtClean="0"/>
-              <a:t>2021/2/7</a:t>
+              <a:t>2021/9/16</a:t>
             </a:fld>
             <a:endParaRPr kumimoji="1" lang="ja-JP" altLang="en-US" dirty="0"/>
           </a:p>
@@ -3396,7 +3398,7 @@
           <a:p>
             <a:fld id="{062382E3-DAC9-4085-B802-61A979310D0F}" type="datetime1">
               <a:rPr kumimoji="1" lang="ja-JP" altLang="en-US" smtClean="0"/>
-              <a:t>2021/2/7</a:t>
+              <a:t>2021/9/16</a:t>
             </a:fld>
             <a:endParaRPr kumimoji="1" lang="ja-JP" altLang="en-US" dirty="0"/>
           </a:p>
@@ -4786,6 +4788,210 @@
     <p:extLst>
       <p:ext uri="{BB962C8B-B14F-4D97-AF65-F5344CB8AC3E}">
         <p14:creationId xmlns:p14="http://schemas.microsoft.com/office/powerpoint/2010/main" val="1429369172"/>
+      </p:ext>
+    </p:extLst>
+  </p:cSld>
+  <p:clrMapOvr>
+    <a:masterClrMapping/>
+  </p:clrMapOvr>
+</p:sld>
+</file>
+
+<file path=ppt/slides/slide2.xml><?xml version="1.0" encoding="utf-8"?>
+<p:sld xmlns:a="http://schemas.openxmlformats.org/drawingml/2006/main" xmlns:r="http://schemas.openxmlformats.org/officeDocument/2006/relationships" xmlns:p="http://schemas.openxmlformats.org/presentationml/2006/main">
+  <p:cSld>
+    <p:spTree>
+      <p:nvGrpSpPr>
+        <p:cNvPr id="1" name=""/>
+        <p:cNvGrpSpPr/>
+        <p:nvPr/>
+      </p:nvGrpSpPr>
+      <p:grpSpPr>
+        <a:xfrm>
+          <a:off x="0" y="0"/>
+          <a:ext cx="0" cy="0"/>
+          <a:chOff x="0" y="0"/>
+          <a:chExt cx="0" cy="0"/>
+        </a:xfrm>
+      </p:grpSpPr>
+      <p:sp>
+        <p:nvSpPr>
+          <p:cNvPr id="2" name="タイトル 1"/>
+          <p:cNvSpPr>
+            <a:spLocks noGrp="1"/>
+          </p:cNvSpPr>
+          <p:nvPr>
+            <p:ph type="title"/>
+          </p:nvPr>
+        </p:nvSpPr>
+        <p:spPr/>
+        <p:txBody>
+          <a:bodyPr/>
+          <a:lstStyle/>
+          <a:p>
+            <a:r>
+              <a:rPr kumimoji="1" lang="ja-JP" altLang="en-US" dirty="0" smtClean="0"/>
+              <a:t>テスト</a:t>
+            </a:r>
+            <a:endParaRPr kumimoji="1" lang="ja-JP" altLang="en-US" dirty="0"/>
+          </a:p>
+        </p:txBody>
+      </p:sp>
+      <p:sp>
+        <p:nvSpPr>
+          <p:cNvPr id="3" name="コンテンツ プレースホルダー 2"/>
+          <p:cNvSpPr>
+            <a:spLocks noGrp="1"/>
+          </p:cNvSpPr>
+          <p:nvPr>
+            <p:ph idx="1"/>
+          </p:nvPr>
+        </p:nvSpPr>
+        <p:spPr/>
+        <p:txBody>
+          <a:bodyPr/>
+          <a:lstStyle/>
+          <a:p>
+            <a:r>
+              <a:rPr kumimoji="1" lang="ja-JP" altLang="en-US" dirty="0" smtClean="0"/>
+              <a:t>こんちは</a:t>
+            </a:r>
+          </a:p>
+          <a:p>
+            <a:r>
+              <a:rPr kumimoji="1" lang="ja-JP" altLang="en-US" dirty="0" smtClean="0"/>
+              <a:t>さよなら</a:t>
+            </a:r>
+            <a:endParaRPr kumimoji="1" lang="ja-JP" altLang="en-US" dirty="0"/>
+          </a:p>
+        </p:txBody>
+      </p:sp>
+      <p:sp>
+        <p:nvSpPr>
+          <p:cNvPr id="4" name="スライド番号プレースホルダー 3"/>
+          <p:cNvSpPr>
+            <a:spLocks noGrp="1"/>
+          </p:cNvSpPr>
+          <p:nvPr>
+            <p:ph type="sldNum" sz="quarter" idx="12"/>
+          </p:nvPr>
+        </p:nvSpPr>
+        <p:spPr/>
+        <p:txBody>
+          <a:bodyPr/>
+          <a:lstStyle/>
+          <a:p>
+            <a:fld id="{63DCA85F-F225-44A4-AEA8-9083CAE61796}" type="slidenum">
+              <a:rPr kumimoji="1" lang="ja-JP" altLang="en-US" smtClean="0"/>
+              <a:t>2</a:t>
+            </a:fld>
+            <a:endParaRPr kumimoji="1" lang="ja-JP" altLang="en-US" dirty="0"/>
+          </a:p>
+        </p:txBody>
+      </p:sp>
+    </p:spTree>
+    <p:extLst>
+      <p:ext uri="{BB962C8B-B14F-4D97-AF65-F5344CB8AC3E}">
+        <p14:creationId xmlns:p14="http://schemas.microsoft.com/office/powerpoint/2010/main" val="3966711834"/>
+      </p:ext>
+    </p:extLst>
+  </p:cSld>
+  <p:clrMapOvr>
+    <a:masterClrMapping/>
+  </p:clrMapOvr>
+</p:sld>
+</file>
+
+<file path=ppt/slides/slide3.xml><?xml version="1.0" encoding="utf-8"?>
+<p:sld xmlns:a="http://schemas.openxmlformats.org/drawingml/2006/main" xmlns:r="http://schemas.openxmlformats.org/officeDocument/2006/relationships" xmlns:p="http://schemas.openxmlformats.org/presentationml/2006/main">
+  <p:cSld>
+    <p:spTree>
+      <p:nvGrpSpPr>
+        <p:cNvPr id="1" name=""/>
+        <p:cNvGrpSpPr/>
+        <p:nvPr/>
+      </p:nvGrpSpPr>
+      <p:grpSpPr>
+        <a:xfrm>
+          <a:off x="0" y="0"/>
+          <a:ext cx="0" cy="0"/>
+          <a:chOff x="0" y="0"/>
+          <a:chExt cx="0" cy="0"/>
+        </a:xfrm>
+      </p:grpSpPr>
+      <p:sp>
+        <p:nvSpPr>
+          <p:cNvPr id="2" name="タイトル 1"/>
+          <p:cNvSpPr>
+            <a:spLocks noGrp="1"/>
+          </p:cNvSpPr>
+          <p:nvPr>
+            <p:ph type="title"/>
+          </p:nvPr>
+        </p:nvSpPr>
+        <p:spPr/>
+        <p:txBody>
+          <a:bodyPr/>
+          <a:lstStyle/>
+          <a:p>
+            <a:r>
+              <a:rPr kumimoji="1" lang="ja-JP" altLang="en-US" dirty="0" smtClean="0"/>
+              <a:t>それいけ</a:t>
+            </a:r>
+            <a:endParaRPr kumimoji="1" lang="ja-JP" altLang="en-US" dirty="0"/>
+          </a:p>
+        </p:txBody>
+      </p:sp>
+      <p:sp>
+        <p:nvSpPr>
+          <p:cNvPr id="3" name="コンテンツ プレースホルダー 2"/>
+          <p:cNvSpPr>
+            <a:spLocks noGrp="1"/>
+          </p:cNvSpPr>
+          <p:nvPr>
+            <p:ph idx="1"/>
+          </p:nvPr>
+        </p:nvSpPr>
+        <p:spPr/>
+        <p:txBody>
+          <a:bodyPr/>
+          <a:lstStyle/>
+          <a:p>
+            <a:r>
+              <a:rPr kumimoji="1" lang="ja-JP" altLang="en-US" dirty="0" smtClean="0"/>
+              <a:t>いけ～～！</a:t>
+            </a:r>
+            <a:endParaRPr kumimoji="1" lang="ja-JP" altLang="en-US" dirty="0"/>
+          </a:p>
+        </p:txBody>
+      </p:sp>
+      <p:sp>
+        <p:nvSpPr>
+          <p:cNvPr id="4" name="スライド番号プレースホルダー 3"/>
+          <p:cNvSpPr>
+            <a:spLocks noGrp="1"/>
+          </p:cNvSpPr>
+          <p:nvPr>
+            <p:ph type="sldNum" sz="quarter" idx="12"/>
+          </p:nvPr>
+        </p:nvSpPr>
+        <p:spPr/>
+        <p:txBody>
+          <a:bodyPr/>
+          <a:lstStyle/>
+          <a:p>
+            <a:fld id="{63DCA85F-F225-44A4-AEA8-9083CAE61796}" type="slidenum">
+              <a:rPr kumimoji="1" lang="ja-JP" altLang="en-US" smtClean="0"/>
+              <a:t>3</a:t>
+            </a:fld>
+            <a:endParaRPr kumimoji="1" lang="ja-JP" altLang="en-US" dirty="0"/>
+          </a:p>
+        </p:txBody>
+      </p:sp>
+    </p:spTree>
+    <p:extLst>
+      <p:ext uri="{BB962C8B-B14F-4D97-AF65-F5344CB8AC3E}">
+        <p14:creationId xmlns:p14="http://schemas.microsoft.com/office/powerpoint/2010/main" val="2999098079"/>
       </p:ext>
     </p:extLst>
   </p:cSld>
